--- a/2025-SUM/Week08.pptx
+++ b/2025-SUM/Week08.pptx
@@ -3412,6 +3412,16 @@
               <a:t>8</a:t>
             </a:r>
             <a:r>
+              <a:rPr lang="en-US">
+                <a:solidFill>
+                  <a:schemeClr val="accent1">
+                    <a:lumMod val="50000"/>
+                  </a:schemeClr>
+                </a:solidFill>
+              </a:rPr>
+              <a:t>: 2025-07-09 </a:t>
+            </a:r>
+            <a:r>
               <a:rPr lang="en-US" dirty="0">
                 <a:solidFill>
                   <a:schemeClr val="accent1">
@@ -3419,7 +3429,7 @@
                   </a:schemeClr>
                 </a:solidFill>
               </a:rPr>
-              <a:t>: 2024-07-09 to 07-15</a:t>
+              <a:t>to 07-15</a:t>
             </a:r>
           </a:p>
           <a:p>
